--- a/Week7 Activites.pptx
+++ b/Week7 Activites.pptx
@@ -7,6 +7,11 @@
   <p:sldIdLst>
     <p:sldId id="256" r:id="rId2"/>
     <p:sldId id="257" r:id="rId3"/>
+    <p:sldId id="259" r:id="rId4"/>
+    <p:sldId id="260" r:id="rId5"/>
+    <p:sldId id="261" r:id="rId6"/>
+    <p:sldId id="262" r:id="rId7"/>
+    <p:sldId id="263" r:id="rId8"/>
   </p:sldIdLst>
   <p:sldSz cx="12192000" cy="6858000"/>
   <p:notesSz cx="6858000" cy="9144000"/>
@@ -105,6 +110,11 @@
       </a:defRPr>
     </a:lvl9pPr>
   </p:defaultTextStyle>
+  <p:extLst>
+    <p:ext uri="{EFAFB233-063F-42B5-8137-9DF3F51BA10A}">
+      <p15:sldGuideLst xmlns:p15="http://schemas.microsoft.com/office/powerpoint/2012/main"/>
+    </p:ext>
+  </p:extLst>
 </p:presentation>
 </file>
 
@@ -257,7 +267,7 @@
           <a:p>
             <a:fld id="{3DF6712E-5B93-4D06-ADE9-F7874DEB307E}" type="datetimeFigureOut">
               <a:rPr lang="en-AU" smtClean="0"/>
-              <a:t>1/09/2024</a:t>
+              <a:t>9/09/2024</a:t>
             </a:fld>
             <a:endParaRPr lang="en-AU"/>
           </a:p>
@@ -457,7 +467,7 @@
           <a:p>
             <a:fld id="{3DF6712E-5B93-4D06-ADE9-F7874DEB307E}" type="datetimeFigureOut">
               <a:rPr lang="en-AU" smtClean="0"/>
-              <a:t>1/09/2024</a:t>
+              <a:t>9/09/2024</a:t>
             </a:fld>
             <a:endParaRPr lang="en-AU"/>
           </a:p>
@@ -667,7 +677,7 @@
           <a:p>
             <a:fld id="{3DF6712E-5B93-4D06-ADE9-F7874DEB307E}" type="datetimeFigureOut">
               <a:rPr lang="en-AU" smtClean="0"/>
-              <a:t>1/09/2024</a:t>
+              <a:t>9/09/2024</a:t>
             </a:fld>
             <a:endParaRPr lang="en-AU"/>
           </a:p>
@@ -867,7 +877,7 @@
           <a:p>
             <a:fld id="{3DF6712E-5B93-4D06-ADE9-F7874DEB307E}" type="datetimeFigureOut">
               <a:rPr lang="en-AU" smtClean="0"/>
-              <a:t>1/09/2024</a:t>
+              <a:t>9/09/2024</a:t>
             </a:fld>
             <a:endParaRPr lang="en-AU"/>
           </a:p>
@@ -1143,7 +1153,7 @@
           <a:p>
             <a:fld id="{3DF6712E-5B93-4D06-ADE9-F7874DEB307E}" type="datetimeFigureOut">
               <a:rPr lang="en-AU" smtClean="0"/>
-              <a:t>1/09/2024</a:t>
+              <a:t>9/09/2024</a:t>
             </a:fld>
             <a:endParaRPr lang="en-AU"/>
           </a:p>
@@ -1411,7 +1421,7 @@
           <a:p>
             <a:fld id="{3DF6712E-5B93-4D06-ADE9-F7874DEB307E}" type="datetimeFigureOut">
               <a:rPr lang="en-AU" smtClean="0"/>
-              <a:t>1/09/2024</a:t>
+              <a:t>9/09/2024</a:t>
             </a:fld>
             <a:endParaRPr lang="en-AU"/>
           </a:p>
@@ -1826,7 +1836,7 @@
           <a:p>
             <a:fld id="{3DF6712E-5B93-4D06-ADE9-F7874DEB307E}" type="datetimeFigureOut">
               <a:rPr lang="en-AU" smtClean="0"/>
-              <a:t>1/09/2024</a:t>
+              <a:t>9/09/2024</a:t>
             </a:fld>
             <a:endParaRPr lang="en-AU"/>
           </a:p>
@@ -1968,7 +1978,7 @@
           <a:p>
             <a:fld id="{3DF6712E-5B93-4D06-ADE9-F7874DEB307E}" type="datetimeFigureOut">
               <a:rPr lang="en-AU" smtClean="0"/>
-              <a:t>1/09/2024</a:t>
+              <a:t>9/09/2024</a:t>
             </a:fld>
             <a:endParaRPr lang="en-AU"/>
           </a:p>
@@ -2081,7 +2091,7 @@
           <a:p>
             <a:fld id="{3DF6712E-5B93-4D06-ADE9-F7874DEB307E}" type="datetimeFigureOut">
               <a:rPr lang="en-AU" smtClean="0"/>
-              <a:t>1/09/2024</a:t>
+              <a:t>9/09/2024</a:t>
             </a:fld>
             <a:endParaRPr lang="en-AU"/>
           </a:p>
@@ -2394,7 +2404,7 @@
           <a:p>
             <a:fld id="{3DF6712E-5B93-4D06-ADE9-F7874DEB307E}" type="datetimeFigureOut">
               <a:rPr lang="en-AU" smtClean="0"/>
-              <a:t>1/09/2024</a:t>
+              <a:t>9/09/2024</a:t>
             </a:fld>
             <a:endParaRPr lang="en-AU"/>
           </a:p>
@@ -2683,7 +2693,7 @@
           <a:p>
             <a:fld id="{3DF6712E-5B93-4D06-ADE9-F7874DEB307E}" type="datetimeFigureOut">
               <a:rPr lang="en-AU" smtClean="0"/>
-              <a:t>1/09/2024</a:t>
+              <a:t>9/09/2024</a:t>
             </a:fld>
             <a:endParaRPr lang="en-AU"/>
           </a:p>
@@ -2926,7 +2936,7 @@
           <a:p>
             <a:fld id="{3DF6712E-5B93-4D06-ADE9-F7874DEB307E}" type="datetimeFigureOut">
               <a:rPr lang="en-AU" smtClean="0"/>
-              <a:t>1/09/2024</a:t>
+              <a:t>9/09/2024</a:t>
             </a:fld>
             <a:endParaRPr lang="en-AU"/>
           </a:p>
@@ -3365,7 +3375,7 @@
           <a:lstStyle/>
           <a:p>
             <a:r>
-              <a:rPr lang="en-US" dirty="0"/>
+              <a:rPr lang="en-US"/>
               <a:t>Week7 Activates</a:t>
             </a:r>
             <a:endParaRPr lang="en-AU" dirty="0"/>
@@ -3396,34 +3406,22 @@
           <a:lstStyle/>
           <a:p>
             <a:r>
-              <a:rPr lang="en-US" dirty="0"/>
+              <a:rPr lang="en-US"/>
               <a:t>Complete your Intel report</a:t>
             </a:r>
           </a:p>
           <a:p>
             <a:r>
-              <a:rPr lang="en-US" dirty="0" err="1"/>
-              <a:t>Analyse</a:t>
-            </a:r>
-            <a:r>
-              <a:rPr lang="en-US" dirty="0"/>
-              <a:t> your CVEs to </a:t>
-            </a:r>
-            <a:r>
-              <a:rPr lang="en-US" dirty="0" err="1"/>
-              <a:t>prioritise</a:t>
-            </a:r>
-            <a:r>
-              <a:rPr lang="en-US" dirty="0"/>
-              <a:t> them for your organization</a:t>
-            </a:r>
-          </a:p>
-          <a:p>
-            <a:endParaRPr lang="en-US" dirty="0"/>
-          </a:p>
-          <a:p>
-            <a:r>
-              <a:rPr lang="en-US" dirty="0"/>
+              <a:rPr lang="en-US"/>
+              <a:t>Analyse your CVEs to prioritise them for your organization</a:t>
+            </a:r>
+          </a:p>
+          <a:p>
+            <a:endParaRPr lang="en-US"/>
+          </a:p>
+          <a:p>
+            <a:r>
+              <a:rPr lang="en-US"/>
               <a:t>Tevin Herath</a:t>
             </a:r>
             <a:endParaRPr lang="en-AU" dirty="0"/>
@@ -3483,7 +3481,7 @@
           <a:p>
             <a:r>
               <a:rPr lang="en-US" dirty="0"/>
-              <a:t>Report</a:t>
+              <a:t>Completed Report From Week6</a:t>
             </a:r>
             <a:endParaRPr lang="en-AU" dirty="0"/>
           </a:p>
@@ -3585,6 +3583,582 @@
     <p:extLst>
       <p:ext uri="{BB962C8B-B14F-4D97-AF65-F5344CB8AC3E}">
         <p14:creationId xmlns:p14="http://schemas.microsoft.com/office/powerpoint/2010/main" val="2606229590"/>
+      </p:ext>
+    </p:extLst>
+  </p:cSld>
+  <p:clrMapOvr>
+    <a:masterClrMapping/>
+  </p:clrMapOvr>
+</p:sld>
+</file>
+
+<file path=ppt/slides/slide3.xml><?xml version="1.0" encoding="utf-8"?>
+<p:sld xmlns:a="http://schemas.openxmlformats.org/drawingml/2006/main" xmlns:r="http://schemas.openxmlformats.org/officeDocument/2006/relationships" xmlns:p="http://schemas.openxmlformats.org/presentationml/2006/main">
+  <p:cSld>
+    <p:spTree>
+      <p:nvGrpSpPr>
+        <p:cNvPr id="1" name=""/>
+        <p:cNvGrpSpPr/>
+        <p:nvPr/>
+      </p:nvGrpSpPr>
+      <p:grpSpPr>
+        <a:xfrm>
+          <a:off x="0" y="0"/>
+          <a:ext cx="0" cy="0"/>
+          <a:chOff x="0" y="0"/>
+          <a:chExt cx="0" cy="0"/>
+        </a:xfrm>
+      </p:grpSpPr>
+      <p:sp>
+        <p:nvSpPr>
+          <p:cNvPr id="2" name="Title 1">
+            <a:extLst>
+              <a:ext uri="{FF2B5EF4-FFF2-40B4-BE49-F238E27FC236}">
+                <a16:creationId xmlns:a16="http://schemas.microsoft.com/office/drawing/2014/main" id="{39E79DF2-60A2-516B-7FE1-893D6B12E0AF}"/>
+              </a:ext>
+            </a:extLst>
+          </p:cNvPr>
+          <p:cNvSpPr>
+            <a:spLocks noGrp="1"/>
+          </p:cNvSpPr>
+          <p:nvPr>
+            <p:ph type="title"/>
+          </p:nvPr>
+        </p:nvSpPr>
+        <p:spPr/>
+        <p:txBody>
+          <a:bodyPr/>
+          <a:lstStyle/>
+          <a:p>
+            <a:r>
+              <a:rPr lang="en-US" dirty="0"/>
+              <a:t>Week7 Handout Activities </a:t>
+            </a:r>
+            <a:endParaRPr lang="en-AU" dirty="0"/>
+          </a:p>
+        </p:txBody>
+      </p:sp>
+      <p:pic>
+        <p:nvPicPr>
+          <p:cNvPr id="5" name="Content Placeholder 3">
+            <a:extLst>
+              <a:ext uri="{FF2B5EF4-FFF2-40B4-BE49-F238E27FC236}">
+                <a16:creationId xmlns:a16="http://schemas.microsoft.com/office/drawing/2014/main" id="{8A807C7D-30A3-2344-87E0-1718C6144933}"/>
+              </a:ext>
+            </a:extLst>
+          </p:cNvPr>
+          <p:cNvPicPr>
+            <a:picLocks noGrp="1" noChangeAspect="1"/>
+          </p:cNvPicPr>
+          <p:nvPr>
+            <p:ph sz="half" idx="1"/>
+          </p:nvPr>
+        </p:nvPicPr>
+        <p:blipFill>
+          <a:blip r:embed="rId2"/>
+          <a:stretch>
+            <a:fillRect/>
+          </a:stretch>
+        </p:blipFill>
+        <p:spPr>
+          <a:xfrm>
+            <a:off x="838200" y="2512916"/>
+            <a:ext cx="5181600" cy="2468756"/>
+          </a:xfrm>
+          <a:prstGeom prst="rect">
+            <a:avLst/>
+          </a:prstGeom>
+        </p:spPr>
+      </p:pic>
+      <p:pic>
+        <p:nvPicPr>
+          <p:cNvPr id="6" name="Content Placeholder 3">
+            <a:extLst>
+              <a:ext uri="{FF2B5EF4-FFF2-40B4-BE49-F238E27FC236}">
+                <a16:creationId xmlns:a16="http://schemas.microsoft.com/office/drawing/2014/main" id="{A86087E5-6F90-12F5-CA28-9C4C7A7DFED7}"/>
+              </a:ext>
+            </a:extLst>
+          </p:cNvPr>
+          <p:cNvPicPr>
+            <a:picLocks noGrp="1" noChangeAspect="1"/>
+          </p:cNvPicPr>
+          <p:nvPr>
+            <p:ph sz="half" idx="2"/>
+          </p:nvPr>
+        </p:nvPicPr>
+        <p:blipFill>
+          <a:blip r:embed="rId2"/>
+          <a:stretch>
+            <a:fillRect/>
+          </a:stretch>
+        </p:blipFill>
+        <p:spPr>
+          <a:xfrm>
+            <a:off x="6172200" y="2766916"/>
+            <a:ext cx="5181600" cy="2468756"/>
+          </a:xfrm>
+          <a:prstGeom prst="rect">
+            <a:avLst/>
+          </a:prstGeom>
+        </p:spPr>
+      </p:pic>
+    </p:spTree>
+    <p:extLst>
+      <p:ext uri="{BB962C8B-B14F-4D97-AF65-F5344CB8AC3E}">
+        <p14:creationId xmlns:p14="http://schemas.microsoft.com/office/powerpoint/2010/main" val="1549423862"/>
+      </p:ext>
+    </p:extLst>
+  </p:cSld>
+  <p:clrMapOvr>
+    <a:masterClrMapping/>
+  </p:clrMapOvr>
+</p:sld>
+</file>
+
+<file path=ppt/slides/slide4.xml><?xml version="1.0" encoding="utf-8"?>
+<p:sld xmlns:a="http://schemas.openxmlformats.org/drawingml/2006/main" xmlns:r="http://schemas.openxmlformats.org/officeDocument/2006/relationships" xmlns:p="http://schemas.openxmlformats.org/presentationml/2006/main">
+  <p:cSld>
+    <p:spTree>
+      <p:nvGrpSpPr>
+        <p:cNvPr id="1" name=""/>
+        <p:cNvGrpSpPr/>
+        <p:nvPr/>
+      </p:nvGrpSpPr>
+      <p:grpSpPr>
+        <a:xfrm>
+          <a:off x="0" y="0"/>
+          <a:ext cx="0" cy="0"/>
+          <a:chOff x="0" y="0"/>
+          <a:chExt cx="0" cy="0"/>
+        </a:xfrm>
+      </p:grpSpPr>
+      <p:sp>
+        <p:nvSpPr>
+          <p:cNvPr id="2" name="Title 1">
+            <a:extLst>
+              <a:ext uri="{FF2B5EF4-FFF2-40B4-BE49-F238E27FC236}">
+                <a16:creationId xmlns:a16="http://schemas.microsoft.com/office/drawing/2014/main" id="{A2A80333-7CF5-CDFC-AF19-4A227C59EF3E}"/>
+              </a:ext>
+            </a:extLst>
+          </p:cNvPr>
+          <p:cNvSpPr>
+            <a:spLocks noGrp="1"/>
+          </p:cNvSpPr>
+          <p:nvPr>
+            <p:ph type="title"/>
+          </p:nvPr>
+        </p:nvSpPr>
+        <p:spPr/>
+        <p:txBody>
+          <a:bodyPr/>
+          <a:lstStyle/>
+          <a:p>
+            <a:r>
+              <a:rPr lang="en-US" dirty="0"/>
+              <a:t>Week7 Handout Activities (Cont.)</a:t>
+            </a:r>
+            <a:endParaRPr lang="en-AU" dirty="0"/>
+          </a:p>
+        </p:txBody>
+      </p:sp>
+      <p:pic>
+        <p:nvPicPr>
+          <p:cNvPr id="5" name="Content Placeholder 4">
+            <a:extLst>
+              <a:ext uri="{FF2B5EF4-FFF2-40B4-BE49-F238E27FC236}">
+                <a16:creationId xmlns:a16="http://schemas.microsoft.com/office/drawing/2014/main" id="{EBBE8FDF-9514-C8F7-F745-35C2BEAA1B47}"/>
+              </a:ext>
+            </a:extLst>
+          </p:cNvPr>
+          <p:cNvPicPr>
+            <a:picLocks noGrp="1" noChangeAspect="1"/>
+          </p:cNvPicPr>
+          <p:nvPr>
+            <p:ph sz="half" idx="1"/>
+          </p:nvPr>
+        </p:nvPicPr>
+        <p:blipFill>
+          <a:blip r:embed="rId2"/>
+          <a:stretch>
+            <a:fillRect/>
+          </a:stretch>
+        </p:blipFill>
+        <p:spPr>
+          <a:xfrm>
+            <a:off x="838200" y="2169107"/>
+            <a:ext cx="5181600" cy="3664373"/>
+          </a:xfrm>
+          <a:prstGeom prst="rect">
+            <a:avLst/>
+          </a:prstGeom>
+        </p:spPr>
+      </p:pic>
+      <p:pic>
+        <p:nvPicPr>
+          <p:cNvPr id="6" name="Content Placeholder 5">
+            <a:extLst>
+              <a:ext uri="{FF2B5EF4-FFF2-40B4-BE49-F238E27FC236}">
+                <a16:creationId xmlns:a16="http://schemas.microsoft.com/office/drawing/2014/main" id="{D5924F17-ED11-EF99-DC30-E8ED17DFFF23}"/>
+              </a:ext>
+            </a:extLst>
+          </p:cNvPr>
+          <p:cNvPicPr>
+            <a:picLocks noGrp="1" noChangeAspect="1"/>
+          </p:cNvPicPr>
+          <p:nvPr>
+            <p:ph sz="half" idx="2"/>
+          </p:nvPr>
+        </p:nvPicPr>
+        <p:blipFill>
+          <a:blip r:embed="rId3"/>
+          <a:stretch>
+            <a:fillRect/>
+          </a:stretch>
+        </p:blipFill>
+        <p:spPr>
+          <a:xfrm>
+            <a:off x="6291913" y="1825625"/>
+            <a:ext cx="4942174" cy="4351338"/>
+          </a:xfrm>
+          <a:prstGeom prst="rect">
+            <a:avLst/>
+          </a:prstGeom>
+        </p:spPr>
+      </p:pic>
+    </p:spTree>
+    <p:extLst>
+      <p:ext uri="{BB962C8B-B14F-4D97-AF65-F5344CB8AC3E}">
+        <p14:creationId xmlns:p14="http://schemas.microsoft.com/office/powerpoint/2010/main" val="2255114264"/>
+      </p:ext>
+    </p:extLst>
+  </p:cSld>
+  <p:clrMapOvr>
+    <a:masterClrMapping/>
+  </p:clrMapOvr>
+</p:sld>
+</file>
+
+<file path=ppt/slides/slide5.xml><?xml version="1.0" encoding="utf-8"?>
+<p:sld xmlns:a="http://schemas.openxmlformats.org/drawingml/2006/main" xmlns:r="http://schemas.openxmlformats.org/officeDocument/2006/relationships" xmlns:p="http://schemas.openxmlformats.org/presentationml/2006/main">
+  <p:cSld>
+    <p:spTree>
+      <p:nvGrpSpPr>
+        <p:cNvPr id="1" name=""/>
+        <p:cNvGrpSpPr/>
+        <p:nvPr/>
+      </p:nvGrpSpPr>
+      <p:grpSpPr>
+        <a:xfrm>
+          <a:off x="0" y="0"/>
+          <a:ext cx="0" cy="0"/>
+          <a:chOff x="0" y="0"/>
+          <a:chExt cx="0" cy="0"/>
+        </a:xfrm>
+      </p:grpSpPr>
+      <p:sp>
+        <p:nvSpPr>
+          <p:cNvPr id="2" name="Title 1">
+            <a:extLst>
+              <a:ext uri="{FF2B5EF4-FFF2-40B4-BE49-F238E27FC236}">
+                <a16:creationId xmlns:a16="http://schemas.microsoft.com/office/drawing/2014/main" id="{35C6B135-2D2B-7CF4-C470-C5E621252613}"/>
+              </a:ext>
+            </a:extLst>
+          </p:cNvPr>
+          <p:cNvSpPr>
+            <a:spLocks noGrp="1"/>
+          </p:cNvSpPr>
+          <p:nvPr>
+            <p:ph type="title"/>
+          </p:nvPr>
+        </p:nvSpPr>
+        <p:spPr>
+          <a:xfrm>
+            <a:off x="838200" y="365125"/>
+            <a:ext cx="6253264" cy="1006475"/>
+          </a:xfrm>
+        </p:spPr>
+        <p:txBody>
+          <a:bodyPr>
+            <a:normAutofit fontScale="90000"/>
+          </a:bodyPr>
+          <a:lstStyle/>
+          <a:p>
+            <a:r>
+              <a:rPr lang="en-US" dirty="0"/>
+              <a:t>Week7 Handout Activities (Cont.)</a:t>
+            </a:r>
+            <a:endParaRPr lang="en-AU" dirty="0"/>
+          </a:p>
+        </p:txBody>
+      </p:sp>
+      <p:pic>
+        <p:nvPicPr>
+          <p:cNvPr id="5" name="Picture 4">
+            <a:extLst>
+              <a:ext uri="{FF2B5EF4-FFF2-40B4-BE49-F238E27FC236}">
+                <a16:creationId xmlns:a16="http://schemas.microsoft.com/office/drawing/2014/main" id="{5F5E1EEA-EE92-F36A-E6B6-652E68CB33C9}"/>
+              </a:ext>
+            </a:extLst>
+          </p:cNvPr>
+          <p:cNvPicPr>
+            <a:picLocks noChangeAspect="1"/>
+          </p:cNvPicPr>
+          <p:nvPr/>
+        </p:nvPicPr>
+        <p:blipFill>
+          <a:blip r:embed="rId2"/>
+          <a:stretch>
+            <a:fillRect/>
+          </a:stretch>
+        </p:blipFill>
+        <p:spPr>
+          <a:xfrm>
+            <a:off x="7391960" y="9525"/>
+            <a:ext cx="4791075" cy="6848475"/>
+          </a:xfrm>
+          <a:prstGeom prst="rect">
+            <a:avLst/>
+          </a:prstGeom>
+        </p:spPr>
+      </p:pic>
+    </p:spTree>
+    <p:extLst>
+      <p:ext uri="{BB962C8B-B14F-4D97-AF65-F5344CB8AC3E}">
+        <p14:creationId xmlns:p14="http://schemas.microsoft.com/office/powerpoint/2010/main" val="3683969059"/>
+      </p:ext>
+    </p:extLst>
+  </p:cSld>
+  <p:clrMapOvr>
+    <a:masterClrMapping/>
+  </p:clrMapOvr>
+</p:sld>
+</file>
+
+<file path=ppt/slides/slide6.xml><?xml version="1.0" encoding="utf-8"?>
+<p:sld xmlns:a="http://schemas.openxmlformats.org/drawingml/2006/main" xmlns:r="http://schemas.openxmlformats.org/officeDocument/2006/relationships" xmlns:p="http://schemas.openxmlformats.org/presentationml/2006/main">
+  <p:cSld>
+    <p:spTree>
+      <p:nvGrpSpPr>
+        <p:cNvPr id="1" name=""/>
+        <p:cNvGrpSpPr/>
+        <p:nvPr/>
+      </p:nvGrpSpPr>
+      <p:grpSpPr>
+        <a:xfrm>
+          <a:off x="0" y="0"/>
+          <a:ext cx="0" cy="0"/>
+          <a:chOff x="0" y="0"/>
+          <a:chExt cx="0" cy="0"/>
+        </a:xfrm>
+      </p:grpSpPr>
+      <p:sp>
+        <p:nvSpPr>
+          <p:cNvPr id="2" name="Title 1">
+            <a:extLst>
+              <a:ext uri="{FF2B5EF4-FFF2-40B4-BE49-F238E27FC236}">
+                <a16:creationId xmlns:a16="http://schemas.microsoft.com/office/drawing/2014/main" id="{3CCE7DE1-9BA0-69A0-833D-3AFA63A3FF24}"/>
+              </a:ext>
+            </a:extLst>
+          </p:cNvPr>
+          <p:cNvSpPr>
+            <a:spLocks noGrp="1"/>
+          </p:cNvSpPr>
+          <p:nvPr>
+            <p:ph type="title"/>
+          </p:nvPr>
+        </p:nvSpPr>
+        <p:spPr/>
+        <p:txBody>
+          <a:bodyPr/>
+          <a:lstStyle/>
+          <a:p>
+            <a:r>
+              <a:rPr lang="en-US" dirty="0"/>
+              <a:t>Linux Commands – Self Practice</a:t>
+            </a:r>
+            <a:endParaRPr lang="en-AU" dirty="0"/>
+          </a:p>
+        </p:txBody>
+      </p:sp>
+      <p:pic>
+        <p:nvPicPr>
+          <p:cNvPr id="6" name="Content Placeholder 5">
+            <a:extLst>
+              <a:ext uri="{FF2B5EF4-FFF2-40B4-BE49-F238E27FC236}">
+                <a16:creationId xmlns:a16="http://schemas.microsoft.com/office/drawing/2014/main" id="{2132B769-783E-6686-08C6-646A42C3B7BC}"/>
+              </a:ext>
+            </a:extLst>
+          </p:cNvPr>
+          <p:cNvPicPr>
+            <a:picLocks noGrp="1" noChangeAspect="1"/>
+          </p:cNvPicPr>
+          <p:nvPr>
+            <p:ph sz="half" idx="1"/>
+          </p:nvPr>
+        </p:nvPicPr>
+        <p:blipFill>
+          <a:blip r:embed="rId2"/>
+          <a:stretch>
+            <a:fillRect/>
+          </a:stretch>
+        </p:blipFill>
+        <p:spPr>
+          <a:xfrm>
+            <a:off x="1240884" y="1690688"/>
+            <a:ext cx="4526003" cy="2657576"/>
+          </a:xfrm>
+        </p:spPr>
+      </p:pic>
+      <p:pic>
+        <p:nvPicPr>
+          <p:cNvPr id="8" name="Content Placeholder 7">
+            <a:extLst>
+              <a:ext uri="{FF2B5EF4-FFF2-40B4-BE49-F238E27FC236}">
+                <a16:creationId xmlns:a16="http://schemas.microsoft.com/office/drawing/2014/main" id="{1E0C4ACE-9814-B1A2-B058-A00B65C95B90}"/>
+              </a:ext>
+            </a:extLst>
+          </p:cNvPr>
+          <p:cNvPicPr>
+            <a:picLocks noGrp="1" noChangeAspect="1"/>
+          </p:cNvPicPr>
+          <p:nvPr>
+            <p:ph sz="half" idx="2"/>
+          </p:nvPr>
+        </p:nvPicPr>
+        <p:blipFill>
+          <a:blip r:embed="rId3"/>
+          <a:stretch>
+            <a:fillRect/>
+          </a:stretch>
+        </p:blipFill>
+        <p:spPr>
+          <a:xfrm>
+            <a:off x="6096000" y="1884188"/>
+            <a:ext cx="5181600" cy="2464076"/>
+          </a:xfrm>
+        </p:spPr>
+      </p:pic>
+    </p:spTree>
+    <p:extLst>
+      <p:ext uri="{BB962C8B-B14F-4D97-AF65-F5344CB8AC3E}">
+        <p14:creationId xmlns:p14="http://schemas.microsoft.com/office/powerpoint/2010/main" val="2634624082"/>
+      </p:ext>
+    </p:extLst>
+  </p:cSld>
+  <p:clrMapOvr>
+    <a:masterClrMapping/>
+  </p:clrMapOvr>
+</p:sld>
+</file>
+
+<file path=ppt/slides/slide7.xml><?xml version="1.0" encoding="utf-8"?>
+<p:sld xmlns:a="http://schemas.openxmlformats.org/drawingml/2006/main" xmlns:r="http://schemas.openxmlformats.org/officeDocument/2006/relationships" xmlns:p="http://schemas.openxmlformats.org/presentationml/2006/main">
+  <p:cSld>
+    <p:spTree>
+      <p:nvGrpSpPr>
+        <p:cNvPr id="1" name=""/>
+        <p:cNvGrpSpPr/>
+        <p:nvPr/>
+      </p:nvGrpSpPr>
+      <p:grpSpPr>
+        <a:xfrm>
+          <a:off x="0" y="0"/>
+          <a:ext cx="0" cy="0"/>
+          <a:chOff x="0" y="0"/>
+          <a:chExt cx="0" cy="0"/>
+        </a:xfrm>
+      </p:grpSpPr>
+      <p:sp>
+        <p:nvSpPr>
+          <p:cNvPr id="2" name="Title 1">
+            <a:extLst>
+              <a:ext uri="{FF2B5EF4-FFF2-40B4-BE49-F238E27FC236}">
+                <a16:creationId xmlns:a16="http://schemas.microsoft.com/office/drawing/2014/main" id="{92B8CEDC-1277-0C5F-DBB0-84C2EBC86B06}"/>
+              </a:ext>
+            </a:extLst>
+          </p:cNvPr>
+          <p:cNvSpPr>
+            <a:spLocks noGrp="1"/>
+          </p:cNvSpPr>
+          <p:nvPr>
+            <p:ph type="title"/>
+          </p:nvPr>
+        </p:nvSpPr>
+        <p:spPr/>
+        <p:txBody>
+          <a:bodyPr/>
+          <a:lstStyle/>
+          <a:p>
+            <a:r>
+              <a:rPr lang="en-US" dirty="0"/>
+              <a:t>Linux Commands – Self Practice (Cont.)</a:t>
+            </a:r>
+            <a:endParaRPr lang="en-AU" dirty="0"/>
+          </a:p>
+        </p:txBody>
+      </p:sp>
+      <p:pic>
+        <p:nvPicPr>
+          <p:cNvPr id="6" name="Content Placeholder 5">
+            <a:extLst>
+              <a:ext uri="{FF2B5EF4-FFF2-40B4-BE49-F238E27FC236}">
+                <a16:creationId xmlns:a16="http://schemas.microsoft.com/office/drawing/2014/main" id="{C9967916-EE82-EC2B-7E11-A541040C631A}"/>
+              </a:ext>
+            </a:extLst>
+          </p:cNvPr>
+          <p:cNvPicPr>
+            <a:picLocks noGrp="1" noChangeAspect="1"/>
+          </p:cNvPicPr>
+          <p:nvPr>
+            <p:ph sz="half" idx="1"/>
+          </p:nvPr>
+        </p:nvPicPr>
+        <p:blipFill>
+          <a:blip r:embed="rId2"/>
+          <a:stretch>
+            <a:fillRect/>
+          </a:stretch>
+        </p:blipFill>
+        <p:spPr>
+          <a:xfrm>
+            <a:off x="838200" y="3233650"/>
+            <a:ext cx="5181600" cy="1535288"/>
+          </a:xfrm>
+        </p:spPr>
+      </p:pic>
+      <p:pic>
+        <p:nvPicPr>
+          <p:cNvPr id="8" name="Content Placeholder 7">
+            <a:extLst>
+              <a:ext uri="{FF2B5EF4-FFF2-40B4-BE49-F238E27FC236}">
+                <a16:creationId xmlns:a16="http://schemas.microsoft.com/office/drawing/2014/main" id="{01D6EFCC-8DBD-6A04-4290-8BACCEC4D4DA}"/>
+              </a:ext>
+            </a:extLst>
+          </p:cNvPr>
+          <p:cNvPicPr>
+            <a:picLocks noGrp="1" noChangeAspect="1"/>
+          </p:cNvPicPr>
+          <p:nvPr>
+            <p:ph sz="half" idx="2"/>
+          </p:nvPr>
+        </p:nvPicPr>
+        <p:blipFill>
+          <a:blip r:embed="rId3"/>
+          <a:stretch>
+            <a:fillRect/>
+          </a:stretch>
+        </p:blipFill>
+        <p:spPr>
+          <a:xfrm>
+            <a:off x="6172200" y="3076776"/>
+            <a:ext cx="5181600" cy="1849035"/>
+          </a:xfrm>
+        </p:spPr>
+      </p:pic>
+    </p:spTree>
+    <p:extLst>
+      <p:ext uri="{BB962C8B-B14F-4D97-AF65-F5344CB8AC3E}">
+        <p14:creationId xmlns:p14="http://schemas.microsoft.com/office/powerpoint/2010/main" val="326091728"/>
       </p:ext>
     </p:extLst>
   </p:cSld>
